--- a/class-work/optimization/Quiz 1 Sheet.pptx
+++ b/class-work/optimization/Quiz 1 Sheet.pptx
@@ -104,6 +104,11 @@
       </a:defRPr>
     </a:lvl9pPr>
   </p:defaultTextStyle>
+  <p:extLst>
+    <p:ext uri="{EFAFB233-063F-42B5-8137-9DF3F51BA10A}">
+      <p15:sldGuideLst xmlns:p15="http://schemas.microsoft.com/office/powerpoint/2012/main"/>
+    </p:ext>
+  </p:extLst>
 </p:presentation>
 </file>
 
@@ -238,7 +243,7 @@
           <a:p>
             <a:fld id="{C97FB617-5174-46BC-B742-AA3D5FE066E8}" type="datetimeFigureOut">
               <a:rPr lang="en-US" smtClean="0"/>
-              <a:t>2/14/2023</a:t>
+              <a:t>3/14/2023</a:t>
             </a:fld>
             <a:endParaRPr lang="en-US"/>
           </a:p>
@@ -408,7 +413,7 @@
           <a:p>
             <a:fld id="{C97FB617-5174-46BC-B742-AA3D5FE066E8}" type="datetimeFigureOut">
               <a:rPr lang="en-US" smtClean="0"/>
-              <a:t>2/14/2023</a:t>
+              <a:t>3/14/2023</a:t>
             </a:fld>
             <a:endParaRPr lang="en-US"/>
           </a:p>
@@ -588,7 +593,7 @@
           <a:p>
             <a:fld id="{C97FB617-5174-46BC-B742-AA3D5FE066E8}" type="datetimeFigureOut">
               <a:rPr lang="en-US" smtClean="0"/>
-              <a:t>2/14/2023</a:t>
+              <a:t>3/14/2023</a:t>
             </a:fld>
             <a:endParaRPr lang="en-US"/>
           </a:p>
@@ -758,7 +763,7 @@
           <a:p>
             <a:fld id="{C97FB617-5174-46BC-B742-AA3D5FE066E8}" type="datetimeFigureOut">
               <a:rPr lang="en-US" smtClean="0"/>
-              <a:t>2/14/2023</a:t>
+              <a:t>3/14/2023</a:t>
             </a:fld>
             <a:endParaRPr lang="en-US"/>
           </a:p>
@@ -1002,7 +1007,7 @@
           <a:p>
             <a:fld id="{C97FB617-5174-46BC-B742-AA3D5FE066E8}" type="datetimeFigureOut">
               <a:rPr lang="en-US" smtClean="0"/>
-              <a:t>2/14/2023</a:t>
+              <a:t>3/14/2023</a:t>
             </a:fld>
             <a:endParaRPr lang="en-US"/>
           </a:p>
@@ -1234,7 +1239,7 @@
           <a:p>
             <a:fld id="{C97FB617-5174-46BC-B742-AA3D5FE066E8}" type="datetimeFigureOut">
               <a:rPr lang="en-US" smtClean="0"/>
-              <a:t>2/14/2023</a:t>
+              <a:t>3/14/2023</a:t>
             </a:fld>
             <a:endParaRPr lang="en-US"/>
           </a:p>
@@ -1601,7 +1606,7 @@
           <a:p>
             <a:fld id="{C97FB617-5174-46BC-B742-AA3D5FE066E8}" type="datetimeFigureOut">
               <a:rPr lang="en-US" smtClean="0"/>
-              <a:t>2/14/2023</a:t>
+              <a:t>3/14/2023</a:t>
             </a:fld>
             <a:endParaRPr lang="en-US"/>
           </a:p>
@@ -1719,7 +1724,7 @@
           <a:p>
             <a:fld id="{C97FB617-5174-46BC-B742-AA3D5FE066E8}" type="datetimeFigureOut">
               <a:rPr lang="en-US" smtClean="0"/>
-              <a:t>2/14/2023</a:t>
+              <a:t>3/14/2023</a:t>
             </a:fld>
             <a:endParaRPr lang="en-US"/>
           </a:p>
@@ -1814,7 +1819,7 @@
           <a:p>
             <a:fld id="{C97FB617-5174-46BC-B742-AA3D5FE066E8}" type="datetimeFigureOut">
               <a:rPr lang="en-US" smtClean="0"/>
-              <a:t>2/14/2023</a:t>
+              <a:t>3/14/2023</a:t>
             </a:fld>
             <a:endParaRPr lang="en-US"/>
           </a:p>
@@ -2091,7 +2096,7 @@
           <a:p>
             <a:fld id="{C97FB617-5174-46BC-B742-AA3D5FE066E8}" type="datetimeFigureOut">
               <a:rPr lang="en-US" smtClean="0"/>
-              <a:t>2/14/2023</a:t>
+              <a:t>3/14/2023</a:t>
             </a:fld>
             <a:endParaRPr lang="en-US"/>
           </a:p>
@@ -2348,7 +2353,7 @@
           <a:p>
             <a:fld id="{C97FB617-5174-46BC-B742-AA3D5FE066E8}" type="datetimeFigureOut">
               <a:rPr lang="en-US" smtClean="0"/>
-              <a:t>2/14/2023</a:t>
+              <a:t>3/14/2023</a:t>
             </a:fld>
             <a:endParaRPr lang="en-US"/>
           </a:p>
@@ -2561,7 +2566,7 @@
           <a:p>
             <a:fld id="{C97FB617-5174-46BC-B742-AA3D5FE066E8}" type="datetimeFigureOut">
               <a:rPr lang="en-US" smtClean="0"/>
-              <a:t>2/14/2023</a:t>
+              <a:t>3/14/2023</a:t>
             </a:fld>
             <a:endParaRPr lang="en-US"/>
           </a:p>
@@ -2966,8 +2971,8 @@
           <a:chExt cx="0" cy="0"/>
         </a:xfrm>
       </p:grpSpPr>
-      <mc:AlternateContent xmlns:mc="http://schemas.openxmlformats.org/markup-compatibility/2006">
-        <mc:Choice xmlns:a14="http://schemas.microsoft.com/office/drawing/2010/main" Requires="a14">
+      <mc:AlternateContent xmlns:mc="http://schemas.openxmlformats.org/markup-compatibility/2006" xmlns:a14="http://schemas.microsoft.com/office/drawing/2010/main">
+        <mc:Choice Requires="a14">
           <p:sp>
             <p:nvSpPr>
               <p:cNvPr id="4" name="TextBox 3">
@@ -3015,6 +3020,7 @@
                 </a:r>
               </a:p>
               <a:p>
+                <a:pPr/>
                 <a14:m>
                   <m:oMathPara xmlns:m="http://schemas.openxmlformats.org/officeDocument/2006/math">
                     <m:oMathParaPr>
@@ -3192,7 +3198,7 @@
             </p:txBody>
           </p:sp>
         </mc:Choice>
-        <mc:Fallback>
+        <mc:Fallback xmlns="">
           <p:sp>
             <p:nvSpPr>
               <p:cNvPr id="4" name="TextBox 3">
@@ -3242,8 +3248,8 @@
           </p:sp>
         </mc:Fallback>
       </mc:AlternateContent>
-      <mc:AlternateContent xmlns:mc="http://schemas.openxmlformats.org/markup-compatibility/2006">
-        <mc:Choice xmlns:a14="http://schemas.microsoft.com/office/drawing/2010/main" Requires="a14">
+      <mc:AlternateContent xmlns:mc="http://schemas.openxmlformats.org/markup-compatibility/2006" xmlns:a14="http://schemas.microsoft.com/office/drawing/2010/main">
+        <mc:Choice Requires="a14">
           <p:sp>
             <p:nvSpPr>
               <p:cNvPr id="5" name="TextBox 4">
@@ -3297,6 +3303,7 @@
                 </a:r>
               </a:p>
               <a:p>
+                <a:pPr/>
                 <a14:m>
                   <m:oMathPara xmlns:m="http://schemas.openxmlformats.org/officeDocument/2006/math">
                     <m:oMathParaPr>
@@ -3813,7 +3820,7 @@
             </p:txBody>
           </p:sp>
         </mc:Choice>
-        <mc:Fallback>
+        <mc:Fallback xmlns="">
           <p:sp>
             <p:nvSpPr>
               <p:cNvPr id="5" name="TextBox 4">
@@ -3863,8 +3870,8 @@
           </p:sp>
         </mc:Fallback>
       </mc:AlternateContent>
-      <mc:AlternateContent xmlns:mc="http://schemas.openxmlformats.org/markup-compatibility/2006">
-        <mc:Choice xmlns:a14="http://schemas.microsoft.com/office/drawing/2010/main" Requires="a14">
+      <mc:AlternateContent xmlns:mc="http://schemas.openxmlformats.org/markup-compatibility/2006" xmlns:a14="http://schemas.microsoft.com/office/drawing/2010/main">
+        <mc:Choice Requires="a14">
           <p:sp>
             <p:nvSpPr>
               <p:cNvPr id="6" name="TextBox 5">
@@ -3918,6 +3925,7 @@
                 </a:r>
               </a:p>
               <a:p>
+                <a:pPr/>
                 <a14:m>
                   <m:oMathPara xmlns:m="http://schemas.openxmlformats.org/officeDocument/2006/math">
                     <m:oMathParaPr>
@@ -4005,7 +4013,7 @@
             </p:txBody>
           </p:sp>
         </mc:Choice>
-        <mc:Fallback>
+        <mc:Fallback xmlns="">
           <p:sp>
             <p:nvSpPr>
               <p:cNvPr id="6" name="TextBox 5">
@@ -4055,8 +4063,8 @@
           </p:sp>
         </mc:Fallback>
       </mc:AlternateContent>
-      <mc:AlternateContent xmlns:mc="http://schemas.openxmlformats.org/markup-compatibility/2006">
-        <mc:Choice xmlns:a14="http://schemas.microsoft.com/office/drawing/2010/main" Requires="a14">
+      <mc:AlternateContent xmlns:mc="http://schemas.openxmlformats.org/markup-compatibility/2006" xmlns:a14="http://schemas.microsoft.com/office/drawing/2010/main">
+        <mc:Choice Requires="a14">
           <p:sp>
             <p:nvSpPr>
               <p:cNvPr id="7" name="TextBox 6">
@@ -4110,6 +4118,7 @@
                 </a:r>
               </a:p>
               <a:p>
+                <a:pPr/>
                 <a14:m>
                   <m:oMathPara xmlns:m="http://schemas.openxmlformats.org/officeDocument/2006/math">
                     <m:oMathParaPr>
@@ -4323,7 +4332,7 @@
             </p:txBody>
           </p:sp>
         </mc:Choice>
-        <mc:Fallback>
+        <mc:Fallback xmlns="">
           <p:sp>
             <p:nvSpPr>
               <p:cNvPr id="7" name="TextBox 6">
@@ -4373,8 +4382,8 @@
           </p:sp>
         </mc:Fallback>
       </mc:AlternateContent>
-      <mc:AlternateContent xmlns:mc="http://schemas.openxmlformats.org/markup-compatibility/2006">
-        <mc:Choice xmlns:a14="http://schemas.microsoft.com/office/drawing/2010/main" Requires="a14">
+      <mc:AlternateContent xmlns:mc="http://schemas.openxmlformats.org/markup-compatibility/2006" xmlns:a14="http://schemas.microsoft.com/office/drawing/2010/main">
+        <mc:Choice Requires="a14">
           <p:sp>
             <p:nvSpPr>
               <p:cNvPr id="10" name="TextBox 9">
@@ -4444,6 +4453,7 @@
                 </a:r>
               </a:p>
               <a:p>
+                <a:pPr/>
                 <a14:m>
                   <m:oMathPara xmlns:m="http://schemas.openxmlformats.org/officeDocument/2006/math">
                     <m:oMathParaPr>
@@ -4836,7 +4846,7 @@
             </p:txBody>
           </p:sp>
         </mc:Choice>
-        <mc:Fallback>
+        <mc:Fallback xmlns="">
           <p:sp>
             <p:nvSpPr>
               <p:cNvPr id="10" name="TextBox 9">
@@ -4886,8 +4896,8 @@
           </p:sp>
         </mc:Fallback>
       </mc:AlternateContent>
-      <mc:AlternateContent xmlns:mc="http://schemas.openxmlformats.org/markup-compatibility/2006">
-        <mc:Choice xmlns:a14="http://schemas.microsoft.com/office/drawing/2010/main" Requires="a14">
+      <mc:AlternateContent xmlns:mc="http://schemas.openxmlformats.org/markup-compatibility/2006" xmlns:a14="http://schemas.microsoft.com/office/drawing/2010/main">
+        <mc:Choice Requires="a14">
           <p:sp>
             <p:nvSpPr>
               <p:cNvPr id="11" name="TextBox 10">
@@ -5346,7 +5356,7 @@
             </p:txBody>
           </p:sp>
         </mc:Choice>
-        <mc:Fallback>
+        <mc:Fallback xmlns="">
           <p:sp>
             <p:nvSpPr>
               <p:cNvPr id="11" name="TextBox 10">
@@ -5530,8 +5540,8 @@
           </a:p>
         </p:txBody>
       </p:sp>
-      <mc:AlternateContent xmlns:mc="http://schemas.openxmlformats.org/markup-compatibility/2006">
-        <mc:Choice xmlns:a14="http://schemas.microsoft.com/office/drawing/2010/main" Requires="a14">
+      <mc:AlternateContent xmlns:mc="http://schemas.openxmlformats.org/markup-compatibility/2006" xmlns:a14="http://schemas.microsoft.com/office/drawing/2010/main">
+        <mc:Choice Requires="a14">
           <p:sp>
             <p:nvSpPr>
               <p:cNvPr id="13" name="TextBox 12">
@@ -6428,13 +6438,7 @@
                           <a:rPr lang="en-US" sz="1000" b="0" i="1" smtClean="0">
                             <a:latin typeface="Cambria Math" panose="02040503050406030204" pitchFamily="18" charset="0"/>
                           </a:rPr>
-                          <m:t>&lt;</m:t>
-                        </m:r>
-                        <m:r>
-                          <a:rPr lang="en-US" sz="1000" b="0" i="1" smtClean="0">
-                            <a:latin typeface="Cambria Math" panose="02040503050406030204" pitchFamily="18" charset="0"/>
-                          </a:rPr>
-                          <m:t>0</m:t>
+                          <m:t>&lt;0</m:t>
                         </m:r>
                       </m:e>
                     </m:d>
@@ -6520,13 +6524,7 @@
                           <a:rPr lang="en-US" sz="1000" b="0" i="1" smtClean="0">
                             <a:latin typeface="Cambria Math" panose="02040503050406030204" pitchFamily="18" charset="0"/>
                           </a:rPr>
-                          <m:t>≤</m:t>
-                        </m:r>
-                        <m:r>
-                          <a:rPr lang="en-US" sz="1000" b="0" i="1" smtClean="0">
-                            <a:latin typeface="Cambria Math" panose="02040503050406030204" pitchFamily="18" charset="0"/>
-                          </a:rPr>
-                          <m:t>0</m:t>
+                          <m:t>≤0</m:t>
                         </m:r>
                       </m:e>
                     </m:d>
@@ -6588,7 +6586,7 @@
             </p:txBody>
           </p:sp>
         </mc:Choice>
-        <mc:Fallback>
+        <mc:Fallback xmlns="">
           <p:sp>
             <p:nvSpPr>
               <p:cNvPr id="13" name="TextBox 12">
@@ -6638,8 +6636,8 @@
           </p:sp>
         </mc:Fallback>
       </mc:AlternateContent>
-      <mc:AlternateContent xmlns:mc="http://schemas.openxmlformats.org/markup-compatibility/2006">
-        <mc:Choice xmlns:a14="http://schemas.microsoft.com/office/drawing/2010/main" Requires="a14">
+      <mc:AlternateContent xmlns:mc="http://schemas.openxmlformats.org/markup-compatibility/2006" xmlns:a14="http://schemas.microsoft.com/office/drawing/2010/main">
+        <mc:Choice Requires="a14">
           <p:sp>
             <p:nvSpPr>
               <p:cNvPr id="15" name="TextBox 14">
@@ -6819,7 +6817,7 @@
             </p:txBody>
           </p:sp>
         </mc:Choice>
-        <mc:Fallback>
+        <mc:Fallback xmlns="">
           <p:sp>
             <p:nvSpPr>
               <p:cNvPr id="15" name="TextBox 14">
@@ -6869,8 +6867,8 @@
           </p:sp>
         </mc:Fallback>
       </mc:AlternateContent>
-      <mc:AlternateContent xmlns:mc="http://schemas.openxmlformats.org/markup-compatibility/2006">
-        <mc:Choice xmlns:a14="http://schemas.microsoft.com/office/drawing/2010/main" Requires="a14">
+      <mc:AlternateContent xmlns:mc="http://schemas.openxmlformats.org/markup-compatibility/2006" xmlns:a14="http://schemas.microsoft.com/office/drawing/2010/main">
+        <mc:Choice Requires="a14">
           <p:sp>
             <p:nvSpPr>
               <p:cNvPr id="16" name="TextBox 15">
@@ -7188,7 +7186,7 @@
             </p:txBody>
           </p:sp>
         </mc:Choice>
-        <mc:Fallback>
+        <mc:Fallback xmlns="">
           <p:sp>
             <p:nvSpPr>
               <p:cNvPr id="16" name="TextBox 15">
@@ -7238,8 +7236,8 @@
           </p:sp>
         </mc:Fallback>
       </mc:AlternateContent>
-      <mc:AlternateContent xmlns:mc="http://schemas.openxmlformats.org/markup-compatibility/2006">
-        <mc:Choice xmlns:a14="http://schemas.microsoft.com/office/drawing/2010/main" Requires="a14">
+      <mc:AlternateContent xmlns:mc="http://schemas.openxmlformats.org/markup-compatibility/2006" xmlns:a14="http://schemas.microsoft.com/office/drawing/2010/main">
+        <mc:Choice Requires="a14">
           <p:sp>
             <p:nvSpPr>
               <p:cNvPr id="17" name="TextBox 16">
@@ -7325,6 +7323,7 @@
                 </a:r>
               </a:p>
               <a:p>
+                <a:pPr/>
                 <a14:m>
                   <m:oMathPara xmlns:m="http://schemas.openxmlformats.org/officeDocument/2006/math">
                     <m:oMathParaPr>
@@ -7720,7 +7719,7 @@
             </p:txBody>
           </p:sp>
         </mc:Choice>
-        <mc:Fallback>
+        <mc:Fallback xmlns="">
           <p:sp>
             <p:nvSpPr>
               <p:cNvPr id="17" name="TextBox 16">
@@ -7770,8 +7769,8 @@
           </p:sp>
         </mc:Fallback>
       </mc:AlternateContent>
-      <mc:AlternateContent xmlns:mc="http://schemas.openxmlformats.org/markup-compatibility/2006">
-        <mc:Choice xmlns:a14="http://schemas.microsoft.com/office/drawing/2010/main" Requires="a14">
+      <mc:AlternateContent xmlns:mc="http://schemas.openxmlformats.org/markup-compatibility/2006" xmlns:a14="http://schemas.microsoft.com/office/drawing/2010/main">
+        <mc:Choice Requires="a14">
           <p:sp>
             <p:nvSpPr>
               <p:cNvPr id="18" name="TextBox 17">
@@ -7857,6 +7856,7 @@
                 </a:r>
               </a:p>
               <a:p>
+                <a:pPr/>
                 <a14:m>
                   <m:oMathPara xmlns:m="http://schemas.openxmlformats.org/officeDocument/2006/math">
                     <m:oMathParaPr>
@@ -8204,6 +8204,7 @@
                 </a:r>
               </a:p>
               <a:p>
+                <a:pPr/>
                 <a14:m>
                   <m:oMathPara xmlns:m="http://schemas.openxmlformats.org/officeDocument/2006/math">
                     <m:oMathParaPr>
@@ -8422,13 +8423,7 @@
                             <a:rPr lang="en-US" sz="1000" b="0" i="1" smtClean="0">
                               <a:latin typeface="Cambria Math" panose="02040503050406030204" pitchFamily="18" charset="0"/>
                             </a:rPr>
-                            <m:t>&gt;</m:t>
-                          </m:r>
-                          <m:r>
-                            <a:rPr lang="en-US" sz="1000" b="0" i="1" smtClean="0">
-                              <a:latin typeface="Cambria Math" panose="02040503050406030204" pitchFamily="18" charset="0"/>
-                            </a:rPr>
-                            <m:t>0</m:t>
+                            <m:t>&gt;0</m:t>
                           </m:r>
                         </m:e>
                       </m:d>
@@ -8553,7 +8548,7 @@
             </p:txBody>
           </p:sp>
         </mc:Choice>
-        <mc:Fallback>
+        <mc:Fallback xmlns="">
           <p:sp>
             <p:nvSpPr>
               <p:cNvPr id="18" name="TextBox 17">
@@ -9112,8 +9107,8 @@
           </a:fontRef>
         </p:style>
       </p:cxnSp>
-      <mc:AlternateContent xmlns:mc="http://schemas.openxmlformats.org/markup-compatibility/2006">
-        <mc:Choice xmlns:a14="http://schemas.microsoft.com/office/drawing/2010/main" Requires="a14">
+      <mc:AlternateContent xmlns:mc="http://schemas.openxmlformats.org/markup-compatibility/2006" xmlns:a14="http://schemas.microsoft.com/office/drawing/2010/main">
+        <mc:Choice Requires="a14">
           <p:sp>
             <p:nvSpPr>
               <p:cNvPr id="42" name="TextBox 41">
@@ -9161,6 +9156,7 @@
                 </a:r>
               </a:p>
               <a:p>
+                <a:pPr/>
                 <a14:m>
                   <m:oMathPara xmlns:m="http://schemas.openxmlformats.org/officeDocument/2006/math">
                     <m:oMathParaPr>
@@ -9299,7 +9295,7 @@
             </p:txBody>
           </p:sp>
         </mc:Choice>
-        <mc:Fallback>
+        <mc:Fallback xmlns="">
           <p:sp>
             <p:nvSpPr>
               <p:cNvPr id="42" name="TextBox 41">
